--- a/docs/slides/Lecture12.pptx
+++ b/docs/slides/Lecture12.pptx
@@ -314,7 +314,7 @@
           <a:p>
             <a:fld id="{CB7EA64F-48CA-6044-9303-A15754386620}" type="datetimeFigureOut">
               <a:rPr lang="en-US" smtClean="0"/>
-              <a:t>8/8/21</a:t>
+              <a:t>8/9/21</a:t>
             </a:fld>
             <a:endParaRPr lang="en-US"/>
           </a:p>
@@ -4221,7 +4221,7 @@
               </a14:hiddenEffects>
             </a:ext>
             <a:ext uri="{FAA26D3D-D897-4be2-8F04-BA451C77F1D7}">
-              <ma14:placeholderFlag xmlns="" xmlns:ma14="http://schemas.microsoft.com/office/mac/drawingml/2011/main" val="1"/>
+              <ma14:placeholderFlag xmlns:ma14="http://schemas.microsoft.com/office/mac/drawingml/2011/main" xmlns="" val="1"/>
             </a:ext>
           </a:extLst>
         </p:spPr>
@@ -4448,7 +4448,7 @@
               </a14:hiddenEffects>
             </a:ext>
             <a:ext uri="{FAA26D3D-D897-4be2-8F04-BA451C77F1D7}">
-              <ma14:placeholderFlag xmlns="" xmlns:ma14="http://schemas.microsoft.com/office/mac/drawingml/2011/main" val="1"/>
+              <ma14:placeholderFlag xmlns:ma14="http://schemas.microsoft.com/office/mac/drawingml/2011/main" xmlns="" val="1"/>
             </a:ext>
           </a:extLst>
         </p:spPr>
@@ -6703,7 +6703,7 @@
               </a14:hiddenEffects>
             </a:ext>
             <a:ext uri="{FAA26D3D-D897-4be2-8F04-BA451C77F1D7}">
-              <ma14:placeholderFlag xmlns="" xmlns:ma14="http://schemas.microsoft.com/office/mac/drawingml/2011/main" val="1"/>
+              <ma14:placeholderFlag xmlns:ma14="http://schemas.microsoft.com/office/mac/drawingml/2011/main" xmlns="" val="1"/>
             </a:ext>
           </a:extLst>
         </p:spPr>
@@ -7294,7 +7294,7 @@
               </a14:hiddenEffects>
             </a:ext>
             <a:ext uri="{FAA26D3D-D897-4be2-8F04-BA451C77F1D7}">
-              <ma14:placeholderFlag xmlns="" xmlns:ma14="http://schemas.microsoft.com/office/mac/drawingml/2011/main" val="1"/>
+              <ma14:placeholderFlag xmlns:ma14="http://schemas.microsoft.com/office/mac/drawingml/2011/main" xmlns="" val="1"/>
             </a:ext>
           </a:extLst>
         </p:spPr>
@@ -11095,7 +11095,7 @@
               </a14:hiddenEffects>
             </a:ext>
             <a:ext uri="{FAA26D3D-D897-4be2-8F04-BA451C77F1D7}">
-              <ma14:placeholderFlag xmlns="" xmlns:ma14="http://schemas.microsoft.com/office/mac/drawingml/2011/main" val="1"/>
+              <ma14:placeholderFlag xmlns:ma14="http://schemas.microsoft.com/office/mac/drawingml/2011/main" xmlns="" val="1"/>
             </a:ext>
           </a:extLst>
         </p:spPr>
@@ -11459,7 +11459,7 @@
               </a14:hiddenEffects>
             </a:ext>
             <a:ext uri="{FAA26D3D-D897-4be2-8F04-BA451C77F1D7}">
-              <ma14:placeholderFlag xmlns="" xmlns:ma14="http://schemas.microsoft.com/office/mac/drawingml/2011/main" val="1"/>
+              <ma14:placeholderFlag xmlns:ma14="http://schemas.microsoft.com/office/mac/drawingml/2011/main" xmlns="" val="1"/>
             </a:ext>
           </a:extLst>
         </p:spPr>
@@ -11880,7 +11880,7 @@
               </a14:hiddenEffects>
             </a:ext>
             <a:ext uri="{FAA26D3D-D897-4be2-8F04-BA451C77F1D7}">
-              <ma14:placeholderFlag xmlns="" xmlns:ma14="http://schemas.microsoft.com/office/mac/drawingml/2011/main" val="1"/>
+              <ma14:placeholderFlag xmlns:ma14="http://schemas.microsoft.com/office/mac/drawingml/2011/main" xmlns="" val="1"/>
             </a:ext>
           </a:extLst>
         </p:spPr>
@@ -12417,6 +12417,17 @@
           <a:lstStyle/>
           <a:p>
             <a:r>
+              <a:rPr lang="en-US" sz="3600" b="1" dirty="0"/>
+              <a:t>Recap:</a:t>
+            </a:r>
+            <a:r>
+              <a:rPr lang="en-US" sz="3600" dirty="0"/>
+              <a:t> Lists</a:t>
+            </a:r>
+            <a:endParaRPr lang="en-US" sz="3600" b="1" dirty="0"/>
+          </a:p>
+          <a:p>
+            <a:r>
               <a:rPr lang="en-US" sz="3600" dirty="0"/>
               <a:t>Mouse Location</a:t>
             </a:r>
@@ -12926,7 +12937,7 @@
               </a14:hiddenEffects>
             </a:ext>
             <a:ext uri="{FAA26D3D-D897-4be2-8F04-BA451C77F1D7}">
-              <ma14:placeholderFlag xmlns="" xmlns:ma14="http://schemas.microsoft.com/office/mac/drawingml/2011/main" val="1"/>
+              <ma14:placeholderFlag xmlns:ma14="http://schemas.microsoft.com/office/mac/drawingml/2011/main" xmlns="" val="1"/>
             </a:ext>
           </a:extLst>
         </p:spPr>
@@ -13539,7 +13550,7 @@
               </a14:hiddenEffects>
             </a:ext>
             <a:ext uri="{FAA26D3D-D897-4be2-8F04-BA451C77F1D7}">
-              <ma14:placeholderFlag xmlns="" xmlns:ma14="http://schemas.microsoft.com/office/mac/drawingml/2011/main" val="1"/>
+              <ma14:placeholderFlag xmlns:ma14="http://schemas.microsoft.com/office/mac/drawingml/2011/main" xmlns="" val="1"/>
             </a:ext>
           </a:extLst>
         </p:spPr>
@@ -18021,6 +18032,83 @@
           </a:p>
         </p:txBody>
       </p:sp>
+      <p:sp>
+        <p:nvSpPr>
+          <p:cNvPr id="4" name="Rounded Rectangle 3">
+            <a:extLst>
+              <a:ext uri="{FF2B5EF4-FFF2-40B4-BE49-F238E27FC236}">
+                <a16:creationId xmlns:a16="http://schemas.microsoft.com/office/drawing/2014/main" id="{A88A1FCE-A0C6-AD47-93E0-344E8DF8B8D7}"/>
+              </a:ext>
+            </a:extLst>
+          </p:cNvPr>
+          <p:cNvSpPr/>
+          <p:nvPr/>
+        </p:nvSpPr>
+        <p:spPr>
+          <a:xfrm>
+            <a:off x="9155151" y="2807892"/>
+            <a:ext cx="2557344" cy="2057400"/>
+          </a:xfrm>
+          <a:prstGeom prst="roundRect">
+            <a:avLst/>
+          </a:prstGeom>
+          <a:solidFill>
+            <a:schemeClr val="accent2">
+              <a:lumMod val="20000"/>
+              <a:lumOff val="80000"/>
+            </a:schemeClr>
+          </a:solidFill>
+          <a:ln>
+            <a:solidFill>
+              <a:schemeClr val="accent4"/>
+            </a:solidFill>
+          </a:ln>
+          <a:effectLst>
+            <a:outerShdw blurRad="50800" dist="38100" dir="5400000" algn="t" rotWithShape="0">
+              <a:prstClr val="black">
+                <a:alpha val="40000"/>
+              </a:prstClr>
+            </a:outerShdw>
+          </a:effectLst>
+        </p:spPr>
+        <p:style>
+          <a:lnRef idx="1">
+            <a:schemeClr val="accent1"/>
+          </a:lnRef>
+          <a:fillRef idx="3">
+            <a:schemeClr val="accent1"/>
+          </a:fillRef>
+          <a:effectRef idx="2">
+            <a:schemeClr val="accent1"/>
+          </a:effectRef>
+          <a:fontRef idx="minor">
+            <a:schemeClr val="lt1"/>
+          </a:fontRef>
+        </p:style>
+        <p:txBody>
+          <a:bodyPr rtlCol="0" anchor="ctr"/>
+          <a:lstStyle/>
+          <a:p>
+            <a:pPr algn="l"/>
+            <a:r>
+              <a:rPr lang="en-US" sz="2400" dirty="0">
+                <a:solidFill>
+                  <a:schemeClr val="tx1"/>
+                </a:solidFill>
+              </a:rPr>
+              <a:t>You don’t need to memorize these!  Just look them up when you need them.</a:t>
+            </a:r>
+            <a:endParaRPr lang="en-US" sz="2400" b="1" dirty="0">
+              <a:solidFill>
+                <a:srgbClr val="7030A0"/>
+              </a:solidFill>
+              <a:latin typeface="Courier" charset="0"/>
+              <a:ea typeface="Courier" charset="0"/>
+              <a:cs typeface="Courier" charset="0"/>
+            </a:endParaRPr>
+          </a:p>
+        </p:txBody>
+      </p:sp>
     </p:spTree>
     <p:extLst>
       <p:ext uri="{BB962C8B-B14F-4D97-AF65-F5344CB8AC3E}">
@@ -18031,6 +18119,84 @@
   <p:clrMapOvr>
     <a:masterClrMapping/>
   </p:clrMapOvr>
+  <p:timing>
+    <p:tnLst>
+      <p:par>
+        <p:cTn id="1" dur="indefinite" restart="never" nodeType="tmRoot">
+          <p:childTnLst>
+            <p:seq concurrent="1" nextAc="seek">
+              <p:cTn id="2" dur="indefinite" nodeType="mainSeq">
+                <p:childTnLst>
+                  <p:par>
+                    <p:cTn id="3" fill="hold">
+                      <p:stCondLst>
+                        <p:cond delay="indefinite"/>
+                      </p:stCondLst>
+                      <p:childTnLst>
+                        <p:par>
+                          <p:cTn id="4" fill="hold">
+                            <p:stCondLst>
+                              <p:cond delay="0"/>
+                            </p:stCondLst>
+                            <p:childTnLst>
+                              <p:par>
+                                <p:cTn id="5" presetID="1" presetClass="entr" presetSubtype="0" fill="hold" grpId="0" nodeType="clickEffect">
+                                  <p:stCondLst>
+                                    <p:cond delay="0"/>
+                                  </p:stCondLst>
+                                  <p:childTnLst>
+                                    <p:set>
+                                      <p:cBhvr>
+                                        <p:cTn id="6" dur="1" fill="hold">
+                                          <p:stCondLst>
+                                            <p:cond delay="0"/>
+                                          </p:stCondLst>
+                                        </p:cTn>
+                                        <p:tgtEl>
+                                          <p:spTgt spid="4"/>
+                                        </p:tgtEl>
+                                        <p:attrNameLst>
+                                          <p:attrName>style.visibility</p:attrName>
+                                        </p:attrNameLst>
+                                      </p:cBhvr>
+                                      <p:to>
+                                        <p:strVal val="visible"/>
+                                      </p:to>
+                                    </p:set>
+                                  </p:childTnLst>
+                                </p:cTn>
+                              </p:par>
+                            </p:childTnLst>
+                          </p:cTn>
+                        </p:par>
+                      </p:childTnLst>
+                    </p:cTn>
+                  </p:par>
+                </p:childTnLst>
+              </p:cTn>
+              <p:prevCondLst>
+                <p:cond evt="onPrev" delay="0">
+                  <p:tgtEl>
+                    <p:sldTgt/>
+                  </p:tgtEl>
+                </p:cond>
+              </p:prevCondLst>
+              <p:nextCondLst>
+                <p:cond evt="onNext" delay="0">
+                  <p:tgtEl>
+                    <p:sldTgt/>
+                  </p:tgtEl>
+                </p:cond>
+              </p:nextCondLst>
+            </p:seq>
+          </p:childTnLst>
+        </p:cTn>
+      </p:par>
+    </p:tnLst>
+    <p:bldLst>
+      <p:bldP spid="4" grpId="0" animBg="1"/>
+    </p:bldLst>
+  </p:timing>
 </p:sld>
 </file>
 
